--- a/NON-GENERICS COLLECTION.pptx
+++ b/NON-GENERICS COLLECTION.pptx
@@ -304,7 +304,7 @@
             <a:fld id="{2F3B3E3B-AC69-4803-A094-EC58A6588931}" type="datetimeFigureOut">
               <a:rPr lang="en-US" smtClean="0"/>
               <a:pPr/>
-              <a:t>3/11/2014</a:t>
+              <a:t>4/19/2019</a:t>
             </a:fld>
             <a:endParaRPr lang="en-US"/>
           </a:p>
@@ -471,7 +471,7 @@
             <a:fld id="{2F3B3E3B-AC69-4803-A094-EC58A6588931}" type="datetimeFigureOut">
               <a:rPr lang="en-US" smtClean="0"/>
               <a:pPr/>
-              <a:t>3/11/2014</a:t>
+              <a:t>4/19/2019</a:t>
             </a:fld>
             <a:endParaRPr lang="en-US"/>
           </a:p>
@@ -648,7 +648,7 @@
             <a:fld id="{2F3B3E3B-AC69-4803-A094-EC58A6588931}" type="datetimeFigureOut">
               <a:rPr lang="en-US" smtClean="0"/>
               <a:pPr/>
-              <a:t>3/11/2014</a:t>
+              <a:t>4/19/2019</a:t>
             </a:fld>
             <a:endParaRPr lang="en-US"/>
           </a:p>
@@ -815,7 +815,7 @@
             <a:fld id="{2F3B3E3B-AC69-4803-A094-EC58A6588931}" type="datetimeFigureOut">
               <a:rPr lang="en-US" smtClean="0"/>
               <a:pPr/>
-              <a:t>3/11/2014</a:t>
+              <a:t>4/19/2019</a:t>
             </a:fld>
             <a:endParaRPr lang="en-US"/>
           </a:p>
@@ -1058,7 +1058,7 @@
             <a:fld id="{2F3B3E3B-AC69-4803-A094-EC58A6588931}" type="datetimeFigureOut">
               <a:rPr lang="en-US" smtClean="0"/>
               <a:pPr/>
-              <a:t>3/11/2014</a:t>
+              <a:t>4/19/2019</a:t>
             </a:fld>
             <a:endParaRPr lang="en-US"/>
           </a:p>
@@ -1343,7 +1343,7 @@
             <a:fld id="{2F3B3E3B-AC69-4803-A094-EC58A6588931}" type="datetimeFigureOut">
               <a:rPr lang="en-US" smtClean="0"/>
               <a:pPr/>
-              <a:t>3/11/2014</a:t>
+              <a:t>4/19/2019</a:t>
             </a:fld>
             <a:endParaRPr lang="en-US"/>
           </a:p>
@@ -1762,7 +1762,7 @@
             <a:fld id="{2F3B3E3B-AC69-4803-A094-EC58A6588931}" type="datetimeFigureOut">
               <a:rPr lang="en-US" smtClean="0"/>
               <a:pPr/>
-              <a:t>3/11/2014</a:t>
+              <a:t>4/19/2019</a:t>
             </a:fld>
             <a:endParaRPr lang="en-US"/>
           </a:p>
@@ -1877,7 +1877,7 @@
             <a:fld id="{2F3B3E3B-AC69-4803-A094-EC58A6588931}" type="datetimeFigureOut">
               <a:rPr lang="en-US" smtClean="0"/>
               <a:pPr/>
-              <a:t>3/11/2014</a:t>
+              <a:t>4/19/2019</a:t>
             </a:fld>
             <a:endParaRPr lang="en-US"/>
           </a:p>
@@ -1969,7 +1969,7 @@
             <a:fld id="{2F3B3E3B-AC69-4803-A094-EC58A6588931}" type="datetimeFigureOut">
               <a:rPr lang="en-US" smtClean="0"/>
               <a:pPr/>
-              <a:t>3/11/2014</a:t>
+              <a:t>4/19/2019</a:t>
             </a:fld>
             <a:endParaRPr lang="en-US"/>
           </a:p>
@@ -2243,7 +2243,7 @@
             <a:fld id="{2F3B3E3B-AC69-4803-A094-EC58A6588931}" type="datetimeFigureOut">
               <a:rPr lang="en-US" smtClean="0"/>
               <a:pPr/>
-              <a:t>3/11/2014</a:t>
+              <a:t>4/19/2019</a:t>
             </a:fld>
             <a:endParaRPr lang="en-US"/>
           </a:p>
@@ -2493,7 +2493,7 @@
             <a:fld id="{2F3B3E3B-AC69-4803-A094-EC58A6588931}" type="datetimeFigureOut">
               <a:rPr lang="en-US" smtClean="0"/>
               <a:pPr/>
-              <a:t>3/11/2014</a:t>
+              <a:t>4/19/2019</a:t>
             </a:fld>
             <a:endParaRPr lang="en-US"/>
           </a:p>
@@ -2703,7 +2703,7 @@
             <a:fld id="{2F3B3E3B-AC69-4803-A094-EC58A6588931}" type="datetimeFigureOut">
               <a:rPr lang="en-US" smtClean="0"/>
               <a:pPr/>
-              <a:t>3/11/2014</a:t>
+              <a:t>4/19/2019</a:t>
             </a:fld>
             <a:endParaRPr lang="en-US"/>
           </a:p>
@@ -3099,7 +3099,7 @@
       </p:sp>
       <p:sp>
         <p:nvSpPr>
-          <p:cNvPr id="3" name="Subtitle 2"/>
+          <p:cNvPr id="4" name="Subtitle 3"/>
           <p:cNvSpPr>
             <a:spLocks noGrp="1"/>
           </p:cNvSpPr>
@@ -3109,42 +3109,10 @@
         </p:nvSpPr>
         <p:spPr/>
         <p:txBody>
-          <a:bodyPr>
-            <a:normAutofit/>
-          </a:bodyPr>
-          <a:lstStyle/>
-          <a:p>
-            <a:r>
-              <a:rPr lang="en-US" dirty="0" smtClean="0"/>
-              <a:t>                </a:t>
-            </a:r>
-          </a:p>
-          <a:p>
-            <a:r>
-              <a:rPr lang="en-US" dirty="0"/>
-              <a:t> </a:t>
-            </a:r>
-            <a:r>
-              <a:rPr lang="en-US" dirty="0" smtClean="0"/>
-              <a:t>                          </a:t>
-            </a:r>
-            <a:r>
-              <a:rPr lang="en-US" dirty="0" smtClean="0"/>
-              <a:t> </a:t>
-            </a:r>
-            <a:r>
-              <a:rPr lang="en-US" sz="2400" dirty="0" smtClean="0">
-                <a:solidFill>
-                  <a:schemeClr val="tx1"/>
-                </a:solidFill>
-              </a:rPr>
-              <a:t>Presented by Chetna Adsule</a:t>
-            </a:r>
-            <a:endParaRPr lang="en-US" sz="2400" dirty="0">
-              <a:solidFill>
-                <a:schemeClr val="tx1"/>
-              </a:solidFill>
-            </a:endParaRPr>
+          <a:bodyPr/>
+          <a:lstStyle/>
+          <a:p>
+            <a:endParaRPr lang="en-IN"/>
           </a:p>
         </p:txBody>
       </p:sp>
@@ -3218,9 +3186,59 @@
         </p:xfrm>
         <a:graphic>
           <a:graphicData uri="http://schemas.openxmlformats.org/presentationml/2006/ole">
-            <p:oleObj spid="_x0000_s1026" name="Document" r:id="rId3" imgW="7056048" imgH="6491852" progId="">
-              <p:embed/>
-            </p:oleObj>
+            <mc:AlternateContent xmlns:mc="http://schemas.openxmlformats.org/markup-compatibility/2006">
+              <mc:Choice xmlns:v="urn:schemas-microsoft-com:vml" Requires="v">
+                <p:oleObj spid="_x0000_s1027" name="Document" r:id="rId4" imgW="7056048" imgH="6491852" progId="">
+                  <p:embed/>
+                </p:oleObj>
+              </mc:Choice>
+              <mc:Fallback>
+                <p:oleObj name="Document" r:id="rId4" imgW="7056048" imgH="6491852" progId="">
+                  <p:embed/>
+                  <p:pic>
+                    <p:nvPicPr>
+                      <p:cNvPr id="0" name="Picture 2"/>
+                      <p:cNvPicPr>
+                        <a:picLocks noChangeAspect="1" noChangeArrowheads="1"/>
+                      </p:cNvPicPr>
+                      <p:nvPr/>
+                    </p:nvPicPr>
+                    <p:blipFill>
+                      <a:blip r:embed="rId5">
+                        <a:extLst>
+                          <a:ext uri="{28A0092B-C50C-407E-A947-70E740481C1C}">
+                            <a14:useLocalDpi xmlns:a14="http://schemas.microsoft.com/office/drawing/2010/main" val="0"/>
+                          </a:ext>
+                        </a:extLst>
+                      </a:blip>
+                      <a:srcRect/>
+                      <a:stretch>
+                        <a:fillRect/>
+                      </a:stretch>
+                    </p:blipFill>
+                    <p:spPr bwMode="auto">
+                      <a:xfrm>
+                        <a:off x="0" y="0"/>
+                        <a:ext cx="7053263" cy="6489700"/>
+                      </a:xfrm>
+                      <a:prstGeom prst="rect">
+                        <a:avLst/>
+                      </a:prstGeom>
+                      <a:noFill/>
+                      <a:extLst>
+                        <a:ext uri="{909E8E84-426E-40DD-AFC4-6F175D3DCCD1}">
+                          <a14:hiddenFill xmlns:a14="http://schemas.microsoft.com/office/drawing/2010/main">
+                            <a:solidFill>
+                              <a:srgbClr val="FFFFFF"/>
+                            </a:solidFill>
+                          </a14:hiddenFill>
+                        </a:ext>
+                      </a:extLst>
+                    </p:spPr>
+                  </p:pic>
+                </p:oleObj>
+              </mc:Fallback>
+            </mc:AlternateContent>
           </a:graphicData>
         </a:graphic>
       </p:graphicFrame>
@@ -4439,11 +4457,7 @@
             <a:pPr lvl="3"/>
             <a:r>
               <a:rPr lang="en-US" dirty="0" smtClean="0"/>
-              <a:t>Inefficient</a:t>
-            </a:r>
-            <a:r>
-              <a:rPr lang="en-US" dirty="0" smtClean="0"/>
-              <a:t>!</a:t>
+              <a:t>Inefficient!</a:t>
             </a:r>
             <a:endParaRPr lang="en-US" smtClean="0"/>
           </a:p>
@@ -5481,11 +5495,7 @@
             </a:pPr>
             <a:r>
               <a:rPr lang="en-US" sz="2800" dirty="0" smtClean="0"/>
-              <a:t>Provides </a:t>
-            </a:r>
-            <a:r>
-              <a:rPr lang="en-US" sz="2800" dirty="0" smtClean="0"/>
-              <a:t>dynamic resizing of the collection through the class’s method</a:t>
+              <a:t>Provides dynamic resizing of the collection through the class’s method</a:t>
             </a:r>
           </a:p>
           <a:p>
